--- a/PowerPoint/themes/theme4/green leaf.pptx
+++ b/PowerPoint/themes/theme4/green leaf.pptx
@@ -7,7 +7,7 @@
   <p:sldIdLst>
     <p:sldId id="256" r:id="rId2"/>
   </p:sldIdLst>
-  <p:sldSz cx="9144000" cy="6858000" type="screen4x3"/>
+  <p:sldSz cx="9144000" cy="5143500" type="screen16x9"/>
   <p:notesSz cx="6858000" cy="9144000"/>
   <p:defaultTextStyle>
     <a:defPPr>
@@ -106,7 +106,7 @@
   </p:defaultTextStyle>
   <p:extLst>
     <p:ext uri="{EFAFB233-063F-42B5-8137-9DF3F51BA10A}">
-      <p15:sldGuideLst xmlns:p15="http://schemas.microsoft.com/office/powerpoint/2012/main">
+      <p15:sldGuideLst xmlns:p15="http://schemas.microsoft.com/office/powerpoint/2012/main" xmlns="">
         <p15:guide id="1" orient="horz" pos="2160">
           <p15:clr>
             <a:srgbClr val="A4A3A4"/>
@@ -162,8 +162,8 @@
         </p:nvSpPr>
         <p:spPr>
           <a:xfrm flipH="1" flipV="1">
-            <a:off x="3790661" y="7875"/>
-            <a:ext cx="1682741" cy="6849349"/>
+            <a:off x="3790662" y="5907"/>
+            <a:ext cx="1682741" cy="5137012"/>
           </a:xfrm>
           <a:prstGeom prst="rect">
             <a:avLst/>
@@ -186,8 +186,8 @@
         </p:nvSpPr>
         <p:spPr>
           <a:xfrm flipH="1" flipV="1">
-            <a:off x="5000449" y="12900"/>
-            <a:ext cx="307564" cy="6845100"/>
+            <a:off x="5000449" y="9675"/>
+            <a:ext cx="307564" cy="5133825"/>
           </a:xfrm>
           <a:prstGeom prst="rect">
             <a:avLst/>
@@ -210,8 +210,8 @@
         </p:nvSpPr>
         <p:spPr>
           <a:xfrm flipH="1" flipV="1">
-            <a:off x="3647647" y="7871"/>
-            <a:ext cx="789062" cy="6849349"/>
+            <a:off x="3647647" y="5904"/>
+            <a:ext cx="789062" cy="5137012"/>
           </a:xfrm>
           <a:prstGeom prst="rect">
             <a:avLst/>
@@ -234,8 +234,8 @@
         </p:nvSpPr>
         <p:spPr>
           <a:xfrm flipH="1" flipV="1">
-            <a:off x="5715295" y="-6676"/>
-            <a:ext cx="289524" cy="6861650"/>
+            <a:off x="5715295" y="-5007"/>
+            <a:ext cx="289524" cy="5146238"/>
           </a:xfrm>
           <a:prstGeom prst="rect">
             <a:avLst/>
@@ -258,8 +258,8 @@
         </p:nvSpPr>
         <p:spPr>
           <a:xfrm flipH="1" flipV="1">
-            <a:off x="4436710" y="7866"/>
-            <a:ext cx="195320" cy="6849349"/>
+            <a:off x="4436710" y="5900"/>
+            <a:ext cx="195320" cy="5137012"/>
           </a:xfrm>
           <a:prstGeom prst="rect">
             <a:avLst/>
@@ -282,8 +282,8 @@
         </p:nvSpPr>
         <p:spPr>
           <a:xfrm flipH="1" flipV="1">
-            <a:off x="1979712" y="7871"/>
-            <a:ext cx="789856" cy="6849349"/>
+            <a:off x="1979712" y="5904"/>
+            <a:ext cx="789856" cy="5137012"/>
           </a:xfrm>
           <a:prstGeom prst="rect">
             <a:avLst/>
@@ -306,8 +306,8 @@
         </p:nvSpPr>
         <p:spPr>
           <a:xfrm flipH="1" flipV="1">
-            <a:off x="6294345" y="7875"/>
-            <a:ext cx="1085966" cy="6849349"/>
+            <a:off x="6294345" y="5907"/>
+            <a:ext cx="1085966" cy="5137012"/>
           </a:xfrm>
           <a:prstGeom prst="rect">
             <a:avLst/>
@@ -330,8 +330,8 @@
         </p:nvSpPr>
         <p:spPr>
           <a:xfrm flipH="1" flipV="1">
-            <a:off x="6330052" y="7875"/>
-            <a:ext cx="292904" cy="6849349"/>
+            <a:off x="6330052" y="5907"/>
+            <a:ext cx="292904" cy="5137012"/>
           </a:xfrm>
           <a:prstGeom prst="rect">
             <a:avLst/>
@@ -354,8 +354,8 @@
         </p:nvSpPr>
         <p:spPr>
           <a:xfrm flipH="1" flipV="1">
-            <a:off x="3647648" y="7871"/>
-            <a:ext cx="286026" cy="6849349"/>
+            <a:off x="3647648" y="5904"/>
+            <a:ext cx="286026" cy="5137012"/>
           </a:xfrm>
           <a:prstGeom prst="rect">
             <a:avLst/>
@@ -378,8 +378,8 @@
         </p:nvSpPr>
         <p:spPr>
           <a:xfrm flipH="1" flipV="1">
-            <a:off x="5313847" y="7873"/>
-            <a:ext cx="319111" cy="6849349"/>
+            <a:off x="5313848" y="5905"/>
+            <a:ext cx="319111" cy="5137012"/>
           </a:xfrm>
           <a:prstGeom prst="rect">
             <a:avLst/>
@@ -402,8 +402,8 @@
         </p:nvSpPr>
         <p:spPr>
           <a:xfrm flipH="1" flipV="1">
-            <a:off x="2427615" y="-6676"/>
-            <a:ext cx="528712" cy="6861650"/>
+            <a:off x="2427615" y="-5007"/>
+            <a:ext cx="528712" cy="5146238"/>
           </a:xfrm>
           <a:prstGeom prst="rect">
             <a:avLst/>
@@ -426,8 +426,8 @@
         </p:nvSpPr>
         <p:spPr>
           <a:xfrm flipH="1" flipV="1">
-            <a:off x="3144663" y="7875"/>
-            <a:ext cx="425933" cy="6849349"/>
+            <a:off x="3144664" y="5907"/>
+            <a:ext cx="425933" cy="5137012"/>
           </a:xfrm>
           <a:prstGeom prst="rect">
             <a:avLst/>
@@ -450,8 +450,8 @@
         </p:nvSpPr>
         <p:spPr>
           <a:xfrm flipH="1" flipV="1">
-            <a:off x="7022869" y="7873"/>
-            <a:ext cx="230254" cy="6849349"/>
+            <a:off x="7022869" y="5905"/>
+            <a:ext cx="230254" cy="5137012"/>
           </a:xfrm>
           <a:prstGeom prst="rect">
             <a:avLst/>
@@ -474,8 +474,8 @@
         </p:nvSpPr>
         <p:spPr>
           <a:xfrm flipH="1" flipV="1">
-            <a:off x="2097439" y="7874"/>
-            <a:ext cx="45719" cy="6849349"/>
+            <a:off x="2097440" y="5906"/>
+            <a:ext cx="45719" cy="5137012"/>
           </a:xfrm>
           <a:prstGeom prst="rect">
             <a:avLst/>
@@ -498,8 +498,8 @@
         </p:nvSpPr>
         <p:spPr>
           <a:xfrm>
-            <a:off x="1835696" y="1844824"/>
-            <a:ext cx="5832648" cy="3672408"/>
+            <a:off x="1835696" y="1383618"/>
+            <a:ext cx="5832648" cy="2754306"/>
           </a:xfrm>
           <a:prstGeom prst="rect">
             <a:avLst/>
@@ -532,8 +532,8 @@
         </p:nvSpPr>
         <p:spPr>
           <a:xfrm>
-            <a:off x="2374639" y="4077072"/>
-            <a:ext cx="4648229" cy="1152128"/>
+            <a:off x="2374640" y="3057804"/>
+            <a:ext cx="4648229" cy="864096"/>
           </a:xfrm>
         </p:spPr>
         <p:txBody>
@@ -653,8 +653,8 @@
         </p:nvSpPr>
         <p:spPr>
           <a:xfrm>
-            <a:off x="2386195" y="2204864"/>
-            <a:ext cx="4636673" cy="1584176"/>
+            <a:off x="2386196" y="1653648"/>
+            <a:ext cx="4636673" cy="1188132"/>
           </a:xfrm>
         </p:spPr>
         <p:txBody>
@@ -689,7 +689,7 @@
         </p:nvCxnSpPr>
         <p:spPr>
           <a:xfrm>
-            <a:off x="2374640" y="3933056"/>
+            <a:off x="2374640" y="2949792"/>
             <a:ext cx="2159730" cy="0"/>
           </a:xfrm>
           <a:prstGeom prst="line">
@@ -726,8 +726,8 @@
         </p:nvSpPr>
         <p:spPr>
           <a:xfrm>
-            <a:off x="4629615" y="3896087"/>
-            <a:ext cx="72008" cy="72009"/>
+            <a:off x="4629615" y="2922066"/>
+            <a:ext cx="72008" cy="54007"/>
           </a:xfrm>
           <a:prstGeom prst="ellipse">
             <a:avLst/>
@@ -749,7 +749,7 @@
         </p:nvCxnSpPr>
         <p:spPr>
           <a:xfrm>
-            <a:off x="4788024" y="3932091"/>
+            <a:off x="4788024" y="2949069"/>
             <a:ext cx="2253796" cy="1"/>
           </a:xfrm>
           <a:prstGeom prst="line">
@@ -895,7 +895,7 @@
           <a:p>
             <a:fld id="{51E84241-D031-42DE-84E4-CC10C30232F4}" type="datetimeFigureOut">
               <a:rPr lang="ru-RU" smtClean="0"/>
-              <a:t>06.12.2012</a:t>
+              <a:t>22.10.2013</a:t>
             </a:fld>
             <a:endParaRPr lang="ru-RU"/>
           </a:p>
@@ -985,8 +985,8 @@
         </p:nvSpPr>
         <p:spPr>
           <a:xfrm>
-            <a:off x="6629400" y="274638"/>
-            <a:ext cx="2057400" cy="5851525"/>
+            <a:off x="6629400" y="205979"/>
+            <a:ext cx="2057400" cy="4388644"/>
           </a:xfrm>
         </p:spPr>
         <p:txBody>
@@ -1013,8 +1013,8 @@
         </p:nvSpPr>
         <p:spPr>
           <a:xfrm>
-            <a:off x="457200" y="274638"/>
-            <a:ext cx="6019800" cy="5851525"/>
+            <a:off x="457200" y="205979"/>
+            <a:ext cx="6019800" cy="4388644"/>
           </a:xfrm>
         </p:spPr>
         <p:txBody>
@@ -1075,7 +1075,7 @@
           <a:p>
             <a:fld id="{51E84241-D031-42DE-84E4-CC10C30232F4}" type="datetimeFigureOut">
               <a:rPr lang="ru-RU" smtClean="0"/>
-              <a:t>06.12.2012</a:t>
+              <a:t>22.10.2013</a:t>
             </a:fld>
             <a:endParaRPr lang="ru-RU" dirty="0"/>
           </a:p>
@@ -1245,7 +1245,7 @@
           <a:p>
             <a:fld id="{51E84241-D031-42DE-84E4-CC10C30232F4}" type="datetimeFigureOut">
               <a:rPr lang="ru-RU" smtClean="0"/>
-              <a:t>06.12.2012</a:t>
+              <a:t>22.10.2013</a:t>
             </a:fld>
             <a:endParaRPr lang="ru-RU"/>
           </a:p>
@@ -1335,8 +1335,8 @@
         </p:nvSpPr>
         <p:spPr>
           <a:xfrm>
-            <a:off x="722313" y="1196752"/>
-            <a:ext cx="7772400" cy="4896544"/>
+            <a:off x="722313" y="897564"/>
+            <a:ext cx="7772400" cy="3672408"/>
           </a:xfrm>
         </p:spPr>
         <p:txBody>
@@ -1459,7 +1459,7 @@
           <a:p>
             <a:fld id="{51E84241-D031-42DE-84E4-CC10C30232F4}" type="datetimeFigureOut">
               <a:rPr lang="ru-RU" smtClean="0"/>
-              <a:t>06.12.2012</a:t>
+              <a:t>22.10.2013</a:t>
             </a:fld>
             <a:endParaRPr lang="ru-RU"/>
           </a:p>
@@ -1519,8 +1519,8 @@
         </p:nvSpPr>
         <p:spPr>
           <a:xfrm>
-            <a:off x="539552" y="188640"/>
-            <a:ext cx="8064896" cy="864096"/>
+            <a:off x="539552" y="141480"/>
+            <a:ext cx="8064896" cy="648072"/>
           </a:xfrm>
         </p:spPr>
         <p:txBody>
@@ -1600,8 +1600,8 @@
         </p:nvSpPr>
         <p:spPr>
           <a:xfrm>
-            <a:off x="457200" y="1196752"/>
-            <a:ext cx="4038600" cy="4929411"/>
+            <a:off x="457200" y="897565"/>
+            <a:ext cx="4038600" cy="3697058"/>
           </a:xfrm>
           <a:noFill/>
         </p:spPr>
@@ -1686,8 +1686,8 @@
         </p:nvSpPr>
         <p:spPr>
           <a:xfrm>
-            <a:off x="4648200" y="1196752"/>
-            <a:ext cx="4038600" cy="4929411"/>
+            <a:off x="4648200" y="897565"/>
+            <a:ext cx="4038600" cy="3697058"/>
           </a:xfrm>
           <a:noFill/>
         </p:spPr>
@@ -1777,7 +1777,7 @@
           <a:p>
             <a:fld id="{51E84241-D031-42DE-84E4-CC10C30232F4}" type="datetimeFigureOut">
               <a:rPr lang="ru-RU" smtClean="0"/>
-              <a:t>06.12.2012</a:t>
+              <a:t>22.10.2013</a:t>
             </a:fld>
             <a:endParaRPr lang="ru-RU"/>
           </a:p>
@@ -1894,8 +1894,8 @@
         </p:nvSpPr>
         <p:spPr>
           <a:xfrm>
-            <a:off x="457200" y="1268760"/>
-            <a:ext cx="4040188" cy="639762"/>
+            <a:off x="457200" y="951570"/>
+            <a:ext cx="4040188" cy="479822"/>
           </a:xfrm>
           <a:noFill/>
         </p:spPr>
@@ -1960,8 +1960,8 @@
         </p:nvSpPr>
         <p:spPr>
           <a:xfrm>
-            <a:off x="457200" y="2060848"/>
-            <a:ext cx="4040188" cy="4065315"/>
+            <a:off x="457200" y="1545637"/>
+            <a:ext cx="4040188" cy="3048986"/>
           </a:xfrm>
           <a:noFill/>
         </p:spPr>
@@ -2046,8 +2046,8 @@
         </p:nvSpPr>
         <p:spPr>
           <a:xfrm>
-            <a:off x="4645025" y="1268760"/>
-            <a:ext cx="4041775" cy="639762"/>
+            <a:off x="4645026" y="951570"/>
+            <a:ext cx="4041775" cy="479822"/>
           </a:xfrm>
           <a:noFill/>
         </p:spPr>
@@ -2112,8 +2112,8 @@
         </p:nvSpPr>
         <p:spPr>
           <a:xfrm>
-            <a:off x="4645025" y="2060848"/>
-            <a:ext cx="4041775" cy="4065315"/>
+            <a:off x="4645026" y="1545637"/>
+            <a:ext cx="4041775" cy="3048986"/>
           </a:xfrm>
           <a:noFill/>
         </p:spPr>
@@ -2203,7 +2203,7 @@
           <a:p>
             <a:fld id="{51E84241-D031-42DE-84E4-CC10C30232F4}" type="datetimeFigureOut">
               <a:rPr lang="ru-RU" smtClean="0"/>
-              <a:t>06.12.2012</a:t>
+              <a:t>22.10.2013</a:t>
             </a:fld>
             <a:endParaRPr lang="ru-RU"/>
           </a:p>
@@ -2321,7 +2321,7 @@
           <a:p>
             <a:fld id="{51E84241-D031-42DE-84E4-CC10C30232F4}" type="datetimeFigureOut">
               <a:rPr lang="ru-RU" smtClean="0"/>
-              <a:t>06.12.2012</a:t>
+              <a:t>22.10.2013</a:t>
             </a:fld>
             <a:endParaRPr lang="ru-RU"/>
           </a:p>
@@ -2416,7 +2416,7 @@
           <a:p>
             <a:fld id="{51E84241-D031-42DE-84E4-CC10C30232F4}" type="datetimeFigureOut">
               <a:rPr lang="ru-RU" smtClean="0"/>
-              <a:t>06.12.2012</a:t>
+              <a:t>22.10.2013</a:t>
             </a:fld>
             <a:endParaRPr lang="ru-RU"/>
           </a:p>
@@ -2506,8 +2506,8 @@
         </p:nvSpPr>
         <p:spPr>
           <a:xfrm>
-            <a:off x="3575050" y="1196752"/>
-            <a:ext cx="5111750" cy="4929411"/>
+            <a:off x="3575050" y="897565"/>
+            <a:ext cx="5111750" cy="3697058"/>
           </a:xfrm>
           <a:noFill/>
         </p:spPr>
@@ -2594,8 +2594,8 @@
         </p:nvSpPr>
         <p:spPr>
           <a:xfrm>
-            <a:off x="457200" y="1196752"/>
-            <a:ext cx="3008313" cy="4929412"/>
+            <a:off x="457201" y="897564"/>
+            <a:ext cx="3008313" cy="3697059"/>
           </a:xfrm>
           <a:noFill/>
         </p:spPr>
@@ -2667,7 +2667,7 @@
           <a:p>
             <a:fld id="{51E84241-D031-42DE-84E4-CC10C30232F4}" type="datetimeFigureOut">
               <a:rPr lang="ru-RU" smtClean="0"/>
-              <a:t>06.12.2012</a:t>
+              <a:t>22.10.2013</a:t>
             </a:fld>
             <a:endParaRPr lang="ru-RU"/>
           </a:p>
@@ -2727,8 +2727,8 @@
         </p:nvSpPr>
         <p:spPr>
           <a:xfrm>
-            <a:off x="539552" y="188640"/>
-            <a:ext cx="8064896" cy="864096"/>
+            <a:off x="539552" y="141480"/>
+            <a:ext cx="8064896" cy="648072"/>
           </a:xfrm>
         </p:spPr>
         <p:txBody>
@@ -2785,8 +2785,8 @@
         </p:nvSpPr>
         <p:spPr>
           <a:xfrm>
-            <a:off x="1792288" y="1196752"/>
-            <a:ext cx="5486400" cy="3456384"/>
+            <a:off x="1792288" y="897564"/>
+            <a:ext cx="5486400" cy="2592288"/>
           </a:xfrm>
         </p:spPr>
         <p:txBody>
@@ -2850,8 +2850,8 @@
         </p:nvSpPr>
         <p:spPr>
           <a:xfrm>
-            <a:off x="1792288" y="4869160"/>
-            <a:ext cx="5486400" cy="1303040"/>
+            <a:off x="1792288" y="3651870"/>
+            <a:ext cx="5486400" cy="977280"/>
           </a:xfrm>
         </p:spPr>
         <p:txBody>
@@ -2920,7 +2920,7 @@
           <a:p>
             <a:fld id="{51E84241-D031-42DE-84E4-CC10C30232F4}" type="datetimeFigureOut">
               <a:rPr lang="ru-RU" smtClean="0"/>
-              <a:t>06.12.2012</a:t>
+              <a:t>22.10.2013</a:t>
             </a:fld>
             <a:endParaRPr lang="ru-RU"/>
           </a:p>
@@ -2980,8 +2980,8 @@
         </p:nvSpPr>
         <p:spPr>
           <a:xfrm>
-            <a:off x="539552" y="188640"/>
-            <a:ext cx="8064896" cy="864096"/>
+            <a:off x="539552" y="141480"/>
+            <a:ext cx="8064896" cy="648072"/>
           </a:xfrm>
         </p:spPr>
         <p:txBody>
@@ -3052,8 +3052,8 @@
         </p:nvSpPr>
         <p:spPr>
           <a:xfrm>
-            <a:off x="539552" y="188640"/>
-            <a:ext cx="8064896" cy="864096"/>
+            <a:off x="539552" y="141480"/>
+            <a:ext cx="8064896" cy="648072"/>
           </a:xfrm>
           <a:prstGeom prst="rect">
             <a:avLst/>
@@ -3081,8 +3081,8 @@
         </p:nvSpPr>
         <p:spPr>
           <a:xfrm>
-            <a:off x="539552" y="1340768"/>
-            <a:ext cx="8064896" cy="4968552"/>
+            <a:off x="539552" y="1005576"/>
+            <a:ext cx="8064896" cy="3726414"/>
           </a:xfrm>
           <a:prstGeom prst="rect">
             <a:avLst/>
@@ -3148,8 +3148,8 @@
         </p:nvSpPr>
         <p:spPr>
           <a:xfrm>
-            <a:off x="539552" y="6442061"/>
-            <a:ext cx="2133600" cy="365125"/>
+            <a:off x="539552" y="4831546"/>
+            <a:ext cx="2133600" cy="273844"/>
           </a:xfrm>
           <a:prstGeom prst="rect">
             <a:avLst/>
@@ -3170,7 +3170,7 @@
             <a:fld id="{51E84241-D031-42DE-84E4-CC10C30232F4}" type="datetimeFigureOut">
               <a:rPr lang="ru-RU" smtClean="0"/>
               <a:pPr/>
-              <a:t>06.12.2012</a:t>
+              <a:t>22.10.2013</a:t>
             </a:fld>
             <a:endParaRPr lang="ru-RU" dirty="0"/>
           </a:p>
@@ -3188,8 +3188,8 @@
         </p:nvSpPr>
         <p:spPr>
           <a:xfrm>
-            <a:off x="5940152" y="6416499"/>
-            <a:ext cx="2895600" cy="365125"/>
+            <a:off x="5940152" y="4812375"/>
+            <a:ext cx="2895600" cy="273844"/>
           </a:xfrm>
           <a:prstGeom prst="rect">
             <a:avLst/>
@@ -3223,8 +3223,8 @@
         </p:nvSpPr>
         <p:spPr>
           <a:xfrm>
-            <a:off x="4133850" y="6453336"/>
-            <a:ext cx="876300" cy="292100"/>
+            <a:off x="4133850" y="4840002"/>
+            <a:ext cx="876300" cy="219075"/>
           </a:xfrm>
           <a:prstGeom prst="rect">
             <a:avLst/>

--- a/PowerPoint/themes/theme4/green leaf.pptx
+++ b/PowerPoint/themes/theme4/green leaf.pptx
@@ -3288,7 +3288,7 @@
           </a:effectLst>
           <a:latin typeface="+mj-lt"/>
           <a:ea typeface="+mj-ea"/>
-          <a:cs typeface="Tunga" pitchFamily="2"/>
+          <a:cs typeface="Arial" pitchFamily="2"/>
         </a:defRPr>
       </a:lvl1pPr>
     </p:titleStyle>
@@ -3314,7 +3314,7 @@
           </a:solidFill>
           <a:latin typeface="+mn-lt"/>
           <a:ea typeface="+mn-ea"/>
-          <a:cs typeface="Tahoma" pitchFamily="34" charset="0"/>
+          <a:cs typeface="Arial" pitchFamily="34" charset="0"/>
         </a:defRPr>
       </a:lvl1pPr>
       <a:lvl2pPr marL="513652" indent="-342900" algn="l" defTabSz="914400" rtl="0" eaLnBrk="1" latinLnBrk="0" hangingPunct="1">
@@ -3335,7 +3335,7 @@
           </a:solidFill>
           <a:latin typeface="+mn-lt"/>
           <a:ea typeface="+mn-ea"/>
-          <a:cs typeface="Tahoma" pitchFamily="34" charset="0"/>
+          <a:cs typeface="Arial" pitchFamily="34" charset="0"/>
         </a:defRPr>
       </a:lvl2pPr>
       <a:lvl3pPr marL="627952" indent="-285750" algn="l" defTabSz="914400" rtl="0" eaLnBrk="1" latinLnBrk="0" hangingPunct="1">
@@ -3356,7 +3356,7 @@
           </a:solidFill>
           <a:latin typeface="+mn-lt"/>
           <a:ea typeface="+mn-ea"/>
-          <a:cs typeface="Tahoma" pitchFamily="34" charset="0"/>
+          <a:cs typeface="Arial" pitchFamily="34" charset="0"/>
         </a:defRPr>
       </a:lvl3pPr>
       <a:lvl4pPr marL="800989" indent="-285750" algn="l" defTabSz="914400" rtl="0" eaLnBrk="1" latinLnBrk="0" hangingPunct="1">
@@ -3377,7 +3377,7 @@
           </a:solidFill>
           <a:latin typeface="+mn-lt"/>
           <a:ea typeface="+mn-ea"/>
-          <a:cs typeface="Tahoma" pitchFamily="34" charset="0"/>
+          <a:cs typeface="Arial" pitchFamily="34" charset="0"/>
         </a:defRPr>
       </a:lvl4pPr>
       <a:lvl5pPr marL="972439" indent="-285750" algn="l" defTabSz="914400" rtl="0" eaLnBrk="1" latinLnBrk="0" hangingPunct="1">
@@ -3398,7 +3398,7 @@
           </a:solidFill>
           <a:latin typeface="+mn-lt"/>
           <a:ea typeface="+mn-ea"/>
-          <a:cs typeface="Tahoma" pitchFamily="34" charset="0"/>
+          <a:cs typeface="Arial" pitchFamily="34" charset="0"/>
         </a:defRPr>
       </a:lvl5pPr>
       <a:lvl6pPr marL="1051560" indent="-173736" algn="l" defTabSz="914400" rtl="0" eaLnBrk="1" latinLnBrk="0" hangingPunct="1">

--- a/PowerPoint/themes/theme4/green leaf.pptx
+++ b/PowerPoint/themes/theme4/green leaf.pptx
@@ -3968,909 +3968,6 @@
     </a:fmtScheme>
   </a:themeElements>
   <a:objectDefaults/>
-  <a:extraClrSchemeLst>
-    <a:extraClrScheme>
-      <a:clrScheme name="Office">
-        <a:dk1>
-          <a:sysClr val="windowText" lastClr="000000"/>
-        </a:dk1>
-        <a:lt1>
-          <a:sysClr val="window" lastClr="FFFFFF"/>
-        </a:lt1>
-        <a:dk2>
-          <a:srgbClr val="1F497D"/>
-        </a:dk2>
-        <a:lt2>
-          <a:srgbClr val="EEECE1"/>
-        </a:lt2>
-        <a:accent1>
-          <a:srgbClr val="4F81BD"/>
-        </a:accent1>
-        <a:accent2>
-          <a:srgbClr val="C0504D"/>
-        </a:accent2>
-        <a:accent3>
-          <a:srgbClr val="9BBB59"/>
-        </a:accent3>
-        <a:accent4>
-          <a:srgbClr val="8064A2"/>
-        </a:accent4>
-        <a:accent5>
-          <a:srgbClr val="4BACC6"/>
-        </a:accent5>
-        <a:accent6>
-          <a:srgbClr val="F79646"/>
-        </a:accent6>
-        <a:hlink>
-          <a:srgbClr val="0000FF"/>
-        </a:hlink>
-        <a:folHlink>
-          <a:srgbClr val="800080"/>
-        </a:folHlink>
-      </a:clrScheme>
-      <a:clrMap bg1="lt1" tx1="dk1" bg2="lt2" tx2="dk2" accent1="accent1" accent2="accent2" accent3="accent3" accent4="accent4" accent5="accent5" accent6="accent6" hlink="hlink" folHlink="folHlink"/>
-    </a:extraClrScheme>
-    <a:extraClrScheme>
-      <a:clrScheme name="Grayscale">
-        <a:dk1>
-          <a:sysClr val="windowText" lastClr="000000"/>
-        </a:dk1>
-        <a:lt1>
-          <a:sysClr val="window" lastClr="FFFFFF"/>
-        </a:lt1>
-        <a:dk2>
-          <a:srgbClr val="000000"/>
-        </a:dk2>
-        <a:lt2>
-          <a:srgbClr val="F8F8F8"/>
-        </a:lt2>
-        <a:accent1>
-          <a:srgbClr val="DDDDDD"/>
-        </a:accent1>
-        <a:accent2>
-          <a:srgbClr val="B2B2B2"/>
-        </a:accent2>
-        <a:accent3>
-          <a:srgbClr val="969696"/>
-        </a:accent3>
-        <a:accent4>
-          <a:srgbClr val="808080"/>
-        </a:accent4>
-        <a:accent5>
-          <a:srgbClr val="5F5F5F"/>
-        </a:accent5>
-        <a:accent6>
-          <a:srgbClr val="4D4D4D"/>
-        </a:accent6>
-        <a:hlink>
-          <a:srgbClr val="5F5F5F"/>
-        </a:hlink>
-        <a:folHlink>
-          <a:srgbClr val="919191"/>
-        </a:folHlink>
-      </a:clrScheme>
-      <a:clrMap bg1="lt1" tx1="dk1" bg2="lt2" tx2="dk2" accent1="accent1" accent2="accent2" accent3="accent3" accent4="accent4" accent5="accent5" accent6="accent6" hlink="hlink" folHlink="folHlink"/>
-    </a:extraClrScheme>
-    <a:extraClrScheme>
-      <a:clrScheme name="Apex">
-        <a:dk1>
-          <a:sysClr val="windowText" lastClr="000000"/>
-        </a:dk1>
-        <a:lt1>
-          <a:sysClr val="window" lastClr="FFFFFF"/>
-        </a:lt1>
-        <a:dk2>
-          <a:srgbClr val="69676D"/>
-        </a:dk2>
-        <a:lt2>
-          <a:srgbClr val="C9C2D1"/>
-        </a:lt2>
-        <a:accent1>
-          <a:srgbClr val="CEB966"/>
-        </a:accent1>
-        <a:accent2>
-          <a:srgbClr val="9CB084"/>
-        </a:accent2>
-        <a:accent3>
-          <a:srgbClr val="6BB1C9"/>
-        </a:accent3>
-        <a:accent4>
-          <a:srgbClr val="6585CF"/>
-        </a:accent4>
-        <a:accent5>
-          <a:srgbClr val="7E6BC9"/>
-        </a:accent5>
-        <a:accent6>
-          <a:srgbClr val="A379BB"/>
-        </a:accent6>
-        <a:hlink>
-          <a:srgbClr val="410082"/>
-        </a:hlink>
-        <a:folHlink>
-          <a:srgbClr val="932968"/>
-        </a:folHlink>
-      </a:clrScheme>
-      <a:clrMap bg1="lt1" tx1="dk1" bg2="lt2" tx2="dk2" accent1="accent1" accent2="accent2" accent3="accent3" accent4="accent4" accent5="accent5" accent6="accent6" hlink="hlink" folHlink="folHlink"/>
-    </a:extraClrScheme>
-    <a:extraClrScheme>
-      <a:clrScheme name="Aspect">
-        <a:dk1>
-          <a:sysClr val="windowText" lastClr="000000"/>
-        </a:dk1>
-        <a:lt1>
-          <a:sysClr val="window" lastClr="FFFFFF"/>
-        </a:lt1>
-        <a:dk2>
-          <a:srgbClr val="323232"/>
-        </a:dk2>
-        <a:lt2>
-          <a:srgbClr val="E3DED1"/>
-        </a:lt2>
-        <a:accent1>
-          <a:srgbClr val="F07F09"/>
-        </a:accent1>
-        <a:accent2>
-          <a:srgbClr val="9F2936"/>
-        </a:accent2>
-        <a:accent3>
-          <a:srgbClr val="1B587C"/>
-        </a:accent3>
-        <a:accent4>
-          <a:srgbClr val="4E8542"/>
-        </a:accent4>
-        <a:accent5>
-          <a:srgbClr val="604878"/>
-        </a:accent5>
-        <a:accent6>
-          <a:srgbClr val="C19859"/>
-        </a:accent6>
-        <a:hlink>
-          <a:srgbClr val="6B9F25"/>
-        </a:hlink>
-        <a:folHlink>
-          <a:srgbClr val="B26B02"/>
-        </a:folHlink>
-      </a:clrScheme>
-      <a:clrMap bg1="lt1" tx1="dk1" bg2="lt2" tx2="dk2" accent1="accent1" accent2="accent2" accent3="accent3" accent4="accent4" accent5="accent5" accent6="accent6" hlink="hlink" folHlink="folHlink"/>
-    </a:extraClrScheme>
-    <a:extraClrScheme>
-      <a:clrScheme name="Civic">
-        <a:dk1>
-          <a:sysClr val="windowText" lastClr="000000"/>
-        </a:dk1>
-        <a:lt1>
-          <a:sysClr val="window" lastClr="FFFFFF"/>
-        </a:lt1>
-        <a:dk2>
-          <a:srgbClr val="646B86"/>
-        </a:dk2>
-        <a:lt2>
-          <a:srgbClr val="C5D1D7"/>
-        </a:lt2>
-        <a:accent1>
-          <a:srgbClr val="D16349"/>
-        </a:accent1>
-        <a:accent2>
-          <a:srgbClr val="CCB400"/>
-        </a:accent2>
-        <a:accent3>
-          <a:srgbClr val="8CADAE"/>
-        </a:accent3>
-        <a:accent4>
-          <a:srgbClr val="8C7B70"/>
-        </a:accent4>
-        <a:accent5>
-          <a:srgbClr val="8FB08C"/>
-        </a:accent5>
-        <a:accent6>
-          <a:srgbClr val="D19049"/>
-        </a:accent6>
-        <a:hlink>
-          <a:srgbClr val="00A3D6"/>
-        </a:hlink>
-        <a:folHlink>
-          <a:srgbClr val="694F07"/>
-        </a:folHlink>
-      </a:clrScheme>
-      <a:clrMap bg1="lt1" tx1="dk1" bg2="lt2" tx2="dk2" accent1="accent1" accent2="accent2" accent3="accent3" accent4="accent4" accent5="accent5" accent6="accent6" hlink="hlink" folHlink="folHlink"/>
-    </a:extraClrScheme>
-    <a:extraClrScheme>
-      <a:clrScheme name="Concourse">
-        <a:dk1>
-          <a:sysClr val="windowText" lastClr="000000"/>
-        </a:dk1>
-        <a:lt1>
-          <a:sysClr val="window" lastClr="FFFFFF"/>
-        </a:lt1>
-        <a:dk2>
-          <a:srgbClr val="464646"/>
-        </a:dk2>
-        <a:lt2>
-          <a:srgbClr val="DEF5FA"/>
-        </a:lt2>
-        <a:accent1>
-          <a:srgbClr val="2DA2BF"/>
-        </a:accent1>
-        <a:accent2>
-          <a:srgbClr val="DA1F28"/>
-        </a:accent2>
-        <a:accent3>
-          <a:srgbClr val="EB641B"/>
-        </a:accent3>
-        <a:accent4>
-          <a:srgbClr val="39639D"/>
-        </a:accent4>
-        <a:accent5>
-          <a:srgbClr val="474B78"/>
-        </a:accent5>
-        <a:accent6>
-          <a:srgbClr val="7D3C4A"/>
-        </a:accent6>
-        <a:hlink>
-          <a:srgbClr val="FF8119"/>
-        </a:hlink>
-        <a:folHlink>
-          <a:srgbClr val="44B9E8"/>
-        </a:folHlink>
-      </a:clrScheme>
-      <a:clrMap bg1="lt1" tx1="dk1" bg2="lt2" tx2="dk2" accent1="accent1" accent2="accent2" accent3="accent3" accent4="accent4" accent5="accent5" accent6="accent6" hlink="hlink" folHlink="folHlink"/>
-    </a:extraClrScheme>
-    <a:extraClrScheme>
-      <a:clrScheme name="Equity">
-        <a:dk1>
-          <a:sysClr val="windowText" lastClr="000000"/>
-        </a:dk1>
-        <a:lt1>
-          <a:sysClr val="window" lastClr="FFFFFF"/>
-        </a:lt1>
-        <a:dk2>
-          <a:srgbClr val="696464"/>
-        </a:dk2>
-        <a:lt2>
-          <a:srgbClr val="E9E5DC"/>
-        </a:lt2>
-        <a:accent1>
-          <a:srgbClr val="D34817"/>
-        </a:accent1>
-        <a:accent2>
-          <a:srgbClr val="9B2D1F"/>
-        </a:accent2>
-        <a:accent3>
-          <a:srgbClr val="A28E6A"/>
-        </a:accent3>
-        <a:accent4>
-          <a:srgbClr val="956251"/>
-        </a:accent4>
-        <a:accent5>
-          <a:srgbClr val="918485"/>
-        </a:accent5>
-        <a:accent6>
-          <a:srgbClr val="855D5D"/>
-        </a:accent6>
-        <a:hlink>
-          <a:srgbClr val="CC9900"/>
-        </a:hlink>
-        <a:folHlink>
-          <a:srgbClr val="96A9A9"/>
-        </a:folHlink>
-      </a:clrScheme>
-      <a:clrMap bg1="lt1" tx1="dk1" bg2="lt2" tx2="dk2" accent1="accent1" accent2="accent2" accent3="accent3" accent4="accent4" accent5="accent5" accent6="accent6" hlink="hlink" folHlink="folHlink"/>
-    </a:extraClrScheme>
-    <a:extraClrScheme>
-      <a:clrScheme name="Flow">
-        <a:dk1>
-          <a:sysClr val="windowText" lastClr="000000"/>
-        </a:dk1>
-        <a:lt1>
-          <a:sysClr val="window" lastClr="FFFFFF"/>
-        </a:lt1>
-        <a:dk2>
-          <a:srgbClr val="04617B"/>
-        </a:dk2>
-        <a:lt2>
-          <a:srgbClr val="DBF5F9"/>
-        </a:lt2>
-        <a:accent1>
-          <a:srgbClr val="0F6FC6"/>
-        </a:accent1>
-        <a:accent2>
-          <a:srgbClr val="009DD9"/>
-        </a:accent2>
-        <a:accent3>
-          <a:srgbClr val="0BD0D9"/>
-        </a:accent3>
-        <a:accent4>
-          <a:srgbClr val="10CF9B"/>
-        </a:accent4>
-        <a:accent5>
-          <a:srgbClr val="7CCA62"/>
-        </a:accent5>
-        <a:accent6>
-          <a:srgbClr val="A5C249"/>
-        </a:accent6>
-        <a:hlink>
-          <a:srgbClr val="F49100"/>
-        </a:hlink>
-        <a:folHlink>
-          <a:srgbClr val="85DFD0"/>
-        </a:folHlink>
-      </a:clrScheme>
-      <a:clrMap bg1="lt1" tx1="dk1" bg2="lt2" tx2="dk2" accent1="accent1" accent2="accent2" accent3="accent3" accent4="accent4" accent5="accent5" accent6="accent6" hlink="hlink" folHlink="folHlink"/>
-    </a:extraClrScheme>
-    <a:extraClrScheme>
-      <a:clrScheme name="Foundry">
-        <a:dk1>
-          <a:sysClr val="windowText" lastClr="000000"/>
-        </a:dk1>
-        <a:lt1>
-          <a:sysClr val="window" lastClr="FFFFFF"/>
-        </a:lt1>
-        <a:dk2>
-          <a:srgbClr val="676A55"/>
-        </a:dk2>
-        <a:lt2>
-          <a:srgbClr val="EAEBDE"/>
-        </a:lt2>
-        <a:accent1>
-          <a:srgbClr val="72A376"/>
-        </a:accent1>
-        <a:accent2>
-          <a:srgbClr val="B0CCB0"/>
-        </a:accent2>
-        <a:accent3>
-          <a:srgbClr val="A8CDD7"/>
-        </a:accent3>
-        <a:accent4>
-          <a:srgbClr val="C0BEAF"/>
-        </a:accent4>
-        <a:accent5>
-          <a:srgbClr val="CEC597"/>
-        </a:accent5>
-        <a:accent6>
-          <a:srgbClr val="E8B7B7"/>
-        </a:accent6>
-        <a:hlink>
-          <a:srgbClr val="DB5353"/>
-        </a:hlink>
-        <a:folHlink>
-          <a:srgbClr val="903638"/>
-        </a:folHlink>
-      </a:clrScheme>
-      <a:clrMap bg1="lt1" tx1="dk1" bg2="lt2" tx2="dk2" accent1="accent1" accent2="accent2" accent3="accent3" accent4="accent4" accent5="accent5" accent6="accent6" hlink="hlink" folHlink="folHlink"/>
-    </a:extraClrScheme>
-    <a:extraClrScheme>
-      <a:clrScheme name="Median">
-        <a:dk1>
-          <a:sysClr val="windowText" lastClr="000000"/>
-        </a:dk1>
-        <a:lt1>
-          <a:sysClr val="window" lastClr="FFFFFF"/>
-        </a:lt1>
-        <a:dk2>
-          <a:srgbClr val="775F55"/>
-        </a:dk2>
-        <a:lt2>
-          <a:srgbClr val="EBDDC3"/>
-        </a:lt2>
-        <a:accent1>
-          <a:srgbClr val="94B6D2"/>
-        </a:accent1>
-        <a:accent2>
-          <a:srgbClr val="DD8047"/>
-        </a:accent2>
-        <a:accent3>
-          <a:srgbClr val="A5AB81"/>
-        </a:accent3>
-        <a:accent4>
-          <a:srgbClr val="D8B25C"/>
-        </a:accent4>
-        <a:accent5>
-          <a:srgbClr val="7BA79D"/>
-        </a:accent5>
-        <a:accent6>
-          <a:srgbClr val="968C8C"/>
-        </a:accent6>
-        <a:hlink>
-          <a:srgbClr val="F7B615"/>
-        </a:hlink>
-        <a:folHlink>
-          <a:srgbClr val="704404"/>
-        </a:folHlink>
-      </a:clrScheme>
-      <a:clrMap bg1="lt1" tx1="dk1" bg2="lt2" tx2="dk2" accent1="accent1" accent2="accent2" accent3="accent3" accent4="accent4" accent5="accent5" accent6="accent6" hlink="hlink" folHlink="folHlink"/>
-    </a:extraClrScheme>
-    <a:extraClrScheme>
-      <a:clrScheme name="Metro">
-        <a:dk1>
-          <a:sysClr val="windowText" lastClr="000000"/>
-        </a:dk1>
-        <a:lt1>
-          <a:sysClr val="window" lastClr="FFFFFF"/>
-        </a:lt1>
-        <a:dk2>
-          <a:srgbClr val="4E5B6F"/>
-        </a:dk2>
-        <a:lt2>
-          <a:srgbClr val="D6ECFF"/>
-        </a:lt2>
-        <a:accent1>
-          <a:srgbClr val="7FD13B"/>
-        </a:accent1>
-        <a:accent2>
-          <a:srgbClr val="EA157A"/>
-        </a:accent2>
-        <a:accent3>
-          <a:srgbClr val="FEB80A"/>
-        </a:accent3>
-        <a:accent4>
-          <a:srgbClr val="00ADDC"/>
-        </a:accent4>
-        <a:accent5>
-          <a:srgbClr val="738AC8"/>
-        </a:accent5>
-        <a:accent6>
-          <a:srgbClr val="1AB39F"/>
-        </a:accent6>
-        <a:hlink>
-          <a:srgbClr val="EB8803"/>
-        </a:hlink>
-        <a:folHlink>
-          <a:srgbClr val="5F7791"/>
-        </a:folHlink>
-      </a:clrScheme>
-      <a:clrMap bg1="lt1" tx1="dk1" bg2="lt2" tx2="dk2" accent1="accent1" accent2="accent2" accent3="accent3" accent4="accent4" accent5="accent5" accent6="accent6" hlink="hlink" folHlink="folHlink"/>
-    </a:extraClrScheme>
-    <a:extraClrScheme>
-      <a:clrScheme name="Module">
-        <a:dk1>
-          <a:sysClr val="windowText" lastClr="000000"/>
-        </a:dk1>
-        <a:lt1>
-          <a:sysClr val="window" lastClr="FFFFFF"/>
-        </a:lt1>
-        <a:dk2>
-          <a:srgbClr val="5A6378"/>
-        </a:dk2>
-        <a:lt2>
-          <a:srgbClr val="D4D4D6"/>
-        </a:lt2>
-        <a:accent1>
-          <a:srgbClr val="F0AD00"/>
-        </a:accent1>
-        <a:accent2>
-          <a:srgbClr val="60B5CC"/>
-        </a:accent2>
-        <a:accent3>
-          <a:srgbClr val="E66C7D"/>
-        </a:accent3>
-        <a:accent4>
-          <a:srgbClr val="6BB76D"/>
-        </a:accent4>
-        <a:accent5>
-          <a:srgbClr val="E88651"/>
-        </a:accent5>
-        <a:accent6>
-          <a:srgbClr val="C64847"/>
-        </a:accent6>
-        <a:hlink>
-          <a:srgbClr val="168BBA"/>
-        </a:hlink>
-        <a:folHlink>
-          <a:srgbClr val="680000"/>
-        </a:folHlink>
-      </a:clrScheme>
-      <a:clrMap bg1="lt1" tx1="dk1" bg2="lt2" tx2="dk2" accent1="accent1" accent2="accent2" accent3="accent3" accent4="accent4" accent5="accent5" accent6="accent6" hlink="hlink" folHlink="folHlink"/>
-    </a:extraClrScheme>
-    <a:extraClrScheme>
-      <a:clrScheme name="Opulent">
-        <a:dk1>
-          <a:sysClr val="windowText" lastClr="000000"/>
-        </a:dk1>
-        <a:lt1>
-          <a:sysClr val="window" lastClr="FFFFFF"/>
-        </a:lt1>
-        <a:dk2>
-          <a:srgbClr val="B13F9A"/>
-        </a:dk2>
-        <a:lt2>
-          <a:srgbClr val="F4E7ED"/>
-        </a:lt2>
-        <a:accent1>
-          <a:srgbClr val="B83D68"/>
-        </a:accent1>
-        <a:accent2>
-          <a:srgbClr val="AC66BB"/>
-        </a:accent2>
-        <a:accent3>
-          <a:srgbClr val="DE6C36"/>
-        </a:accent3>
-        <a:accent4>
-          <a:srgbClr val="F9B639"/>
-        </a:accent4>
-        <a:accent5>
-          <a:srgbClr val="CF6DA4"/>
-        </a:accent5>
-        <a:accent6>
-          <a:srgbClr val="FA8D3D"/>
-        </a:accent6>
-        <a:hlink>
-          <a:srgbClr val="FFDE66"/>
-        </a:hlink>
-        <a:folHlink>
-          <a:srgbClr val="D490C5"/>
-        </a:folHlink>
-      </a:clrScheme>
-      <a:clrMap bg1="lt1" tx1="dk1" bg2="lt2" tx2="dk2" accent1="accent1" accent2="accent2" accent3="accent3" accent4="accent4" accent5="accent5" accent6="accent6" hlink="hlink" folHlink="folHlink"/>
-    </a:extraClrScheme>
-    <a:extraClrScheme>
-      <a:clrScheme name="Oriel">
-        <a:dk1>
-          <a:sysClr val="windowText" lastClr="000000"/>
-        </a:dk1>
-        <a:lt1>
-          <a:sysClr val="window" lastClr="FFFFFF"/>
-        </a:lt1>
-        <a:dk2>
-          <a:srgbClr val="575F6D"/>
-        </a:dk2>
-        <a:lt2>
-          <a:srgbClr val="FFF39D"/>
-        </a:lt2>
-        <a:accent1>
-          <a:srgbClr val="FE8637"/>
-        </a:accent1>
-        <a:accent2>
-          <a:srgbClr val="7598D9"/>
-        </a:accent2>
-        <a:accent3>
-          <a:srgbClr val="B32C16"/>
-        </a:accent3>
-        <a:accent4>
-          <a:srgbClr val="F5CD2D"/>
-        </a:accent4>
-        <a:accent5>
-          <a:srgbClr val="AEBAD5"/>
-        </a:accent5>
-        <a:accent6>
-          <a:srgbClr val="777C84"/>
-        </a:accent6>
-        <a:hlink>
-          <a:srgbClr val="D2611C"/>
-        </a:hlink>
-        <a:folHlink>
-          <a:srgbClr val="3B435B"/>
-        </a:folHlink>
-      </a:clrScheme>
-      <a:clrMap bg1="lt1" tx1="dk1" bg2="lt2" tx2="dk2" accent1="accent1" accent2="accent2" accent3="accent3" accent4="accent4" accent5="accent5" accent6="accent6" hlink="hlink" folHlink="folHlink"/>
-    </a:extraClrScheme>
-    <a:extraClrScheme>
-      <a:clrScheme name="Origin">
-        <a:dk1>
-          <a:sysClr val="windowText" lastClr="000000"/>
-        </a:dk1>
-        <a:lt1>
-          <a:sysClr val="window" lastClr="FFFFFF"/>
-        </a:lt1>
-        <a:dk2>
-          <a:srgbClr val="464653"/>
-        </a:dk2>
-        <a:lt2>
-          <a:srgbClr val="DDE9EC"/>
-        </a:lt2>
-        <a:accent1>
-          <a:srgbClr val="727CA3"/>
-        </a:accent1>
-        <a:accent2>
-          <a:srgbClr val="9FB8CD"/>
-        </a:accent2>
-        <a:accent3>
-          <a:srgbClr val="D2DA7A"/>
-        </a:accent3>
-        <a:accent4>
-          <a:srgbClr val="FADA7A"/>
-        </a:accent4>
-        <a:accent5>
-          <a:srgbClr val="B88472"/>
-        </a:accent5>
-        <a:accent6>
-          <a:srgbClr val="8E736A"/>
-        </a:accent6>
-        <a:hlink>
-          <a:srgbClr val="B292CA"/>
-        </a:hlink>
-        <a:folHlink>
-          <a:srgbClr val="6B5680"/>
-        </a:folHlink>
-      </a:clrScheme>
-      <a:clrMap bg1="lt1" tx1="dk1" bg2="lt2" tx2="dk2" accent1="accent1" accent2="accent2" accent3="accent3" accent4="accent4" accent5="accent5" accent6="accent6" hlink="hlink" folHlink="folHlink"/>
-    </a:extraClrScheme>
-    <a:extraClrScheme>
-      <a:clrScheme name="Paper">
-        <a:dk1>
-          <a:sysClr val="windowText" lastClr="000000"/>
-        </a:dk1>
-        <a:lt1>
-          <a:sysClr val="window" lastClr="FFFFFF"/>
-        </a:lt1>
-        <a:dk2>
-          <a:srgbClr val="444D26"/>
-        </a:dk2>
-        <a:lt2>
-          <a:srgbClr val="FEFAC9"/>
-        </a:lt2>
-        <a:accent1>
-          <a:srgbClr val="A5B592"/>
-        </a:accent1>
-        <a:accent2>
-          <a:srgbClr val="F3A447"/>
-        </a:accent2>
-        <a:accent3>
-          <a:srgbClr val="E7BC29"/>
-        </a:accent3>
-        <a:accent4>
-          <a:srgbClr val="D092A7"/>
-        </a:accent4>
-        <a:accent5>
-          <a:srgbClr val="9C85C0"/>
-        </a:accent5>
-        <a:accent6>
-          <a:srgbClr val="809EC2"/>
-        </a:accent6>
-        <a:hlink>
-          <a:srgbClr val="8E58B6"/>
-        </a:hlink>
-        <a:folHlink>
-          <a:srgbClr val="7F6F6F"/>
-        </a:folHlink>
-      </a:clrScheme>
-      <a:clrMap bg1="lt1" tx1="dk1" bg2="lt2" tx2="dk2" accent1="accent1" accent2="accent2" accent3="accent3" accent4="accent4" accent5="accent5" accent6="accent6" hlink="hlink" folHlink="folHlink"/>
-    </a:extraClrScheme>
-    <a:extraClrScheme>
-      <a:clrScheme name="Solstice">
-        <a:dk1>
-          <a:sysClr val="windowText" lastClr="000000"/>
-        </a:dk1>
-        <a:lt1>
-          <a:sysClr val="window" lastClr="FFFFFF"/>
-        </a:lt1>
-        <a:dk2>
-          <a:srgbClr val="4F271C"/>
-        </a:dk2>
-        <a:lt2>
-          <a:srgbClr val="E7DEC9"/>
-        </a:lt2>
-        <a:accent1>
-          <a:srgbClr val="3891A7"/>
-        </a:accent1>
-        <a:accent2>
-          <a:srgbClr val="FEB80A"/>
-        </a:accent2>
-        <a:accent3>
-          <a:srgbClr val="C32D2E"/>
-        </a:accent3>
-        <a:accent4>
-          <a:srgbClr val="84AA33"/>
-        </a:accent4>
-        <a:accent5>
-          <a:srgbClr val="964305"/>
-        </a:accent5>
-        <a:accent6>
-          <a:srgbClr val="475A8D"/>
-        </a:accent6>
-        <a:hlink>
-          <a:srgbClr val="8DC765"/>
-        </a:hlink>
-        <a:folHlink>
-          <a:srgbClr val="AA8A14"/>
-        </a:folHlink>
-      </a:clrScheme>
-      <a:clrMap bg1="lt1" tx1="dk1" bg2="lt2" tx2="dk2" accent1="accent1" accent2="accent2" accent3="accent3" accent4="accent4" accent5="accent5" accent6="accent6" hlink="hlink" folHlink="folHlink"/>
-    </a:extraClrScheme>
-    <a:extraClrScheme>
-      <a:clrScheme name="Technic">
-        <a:dk1>
-          <a:sysClr val="windowText" lastClr="000000"/>
-        </a:dk1>
-        <a:lt1>
-          <a:sysClr val="window" lastClr="FFFFFF"/>
-        </a:lt1>
-        <a:dk2>
-          <a:srgbClr val="3B3B3B"/>
-        </a:dk2>
-        <a:lt2>
-          <a:srgbClr val="D4D2D0"/>
-        </a:lt2>
-        <a:accent1>
-          <a:srgbClr val="6EA0B0"/>
-        </a:accent1>
-        <a:accent2>
-          <a:srgbClr val="CCAF0A"/>
-        </a:accent2>
-        <a:accent3>
-          <a:srgbClr val="8D89A4"/>
-        </a:accent3>
-        <a:accent4>
-          <a:srgbClr val="748560"/>
-        </a:accent4>
-        <a:accent5>
-          <a:srgbClr val="9E9273"/>
-        </a:accent5>
-        <a:accent6>
-          <a:srgbClr val="7E848D"/>
-        </a:accent6>
-        <a:hlink>
-          <a:srgbClr val="00C8C3"/>
-        </a:hlink>
-        <a:folHlink>
-          <a:srgbClr val="A116E0"/>
-        </a:folHlink>
-      </a:clrScheme>
-      <a:clrMap bg1="lt1" tx1="dk1" bg2="lt2" tx2="dk2" accent1="accent1" accent2="accent2" accent3="accent3" accent4="accent4" accent5="accent5" accent6="accent6" hlink="hlink" folHlink="folHlink"/>
-    </a:extraClrScheme>
-    <a:extraClrScheme>
-      <a:clrScheme name="Trek">
-        <a:dk1>
-          <a:sysClr val="windowText" lastClr="000000"/>
-        </a:dk1>
-        <a:lt1>
-          <a:sysClr val="window" lastClr="FFFFFF"/>
-        </a:lt1>
-        <a:dk2>
-          <a:srgbClr val="4E3B30"/>
-        </a:dk2>
-        <a:lt2>
-          <a:srgbClr val="FBEEC9"/>
-        </a:lt2>
-        <a:accent1>
-          <a:srgbClr val="F0A22E"/>
-        </a:accent1>
-        <a:accent2>
-          <a:srgbClr val="A5644E"/>
-        </a:accent2>
-        <a:accent3>
-          <a:srgbClr val="B58B80"/>
-        </a:accent3>
-        <a:accent4>
-          <a:srgbClr val="C3986D"/>
-        </a:accent4>
-        <a:accent5>
-          <a:srgbClr val="A19574"/>
-        </a:accent5>
-        <a:accent6>
-          <a:srgbClr val="C17529"/>
-        </a:accent6>
-        <a:hlink>
-          <a:srgbClr val="AD1F1F"/>
-        </a:hlink>
-        <a:folHlink>
-          <a:srgbClr val="FFC42F"/>
-        </a:folHlink>
-      </a:clrScheme>
-      <a:clrMap bg1="lt1" tx1="dk1" bg2="lt2" tx2="dk2" accent1="accent1" accent2="accent2" accent3="accent3" accent4="accent4" accent5="accent5" accent6="accent6" hlink="hlink" folHlink="folHlink"/>
-    </a:extraClrScheme>
-    <a:extraClrScheme>
-      <a:clrScheme name="Urban">
-        <a:dk1>
-          <a:sysClr val="windowText" lastClr="000000"/>
-        </a:dk1>
-        <a:lt1>
-          <a:sysClr val="window" lastClr="FFFFFF"/>
-        </a:lt1>
-        <a:dk2>
-          <a:srgbClr val="424456"/>
-        </a:dk2>
-        <a:lt2>
-          <a:srgbClr val="DEDEDE"/>
-        </a:lt2>
-        <a:accent1>
-          <a:srgbClr val="53548A"/>
-        </a:accent1>
-        <a:accent2>
-          <a:srgbClr val="438086"/>
-        </a:accent2>
-        <a:accent3>
-          <a:srgbClr val="A04DA3"/>
-        </a:accent3>
-        <a:accent4>
-          <a:srgbClr val="C4652D"/>
-        </a:accent4>
-        <a:accent5>
-          <a:srgbClr val="8B5D3D"/>
-        </a:accent5>
-        <a:accent6>
-          <a:srgbClr val="5C92B5"/>
-        </a:accent6>
-        <a:hlink>
-          <a:srgbClr val="67AFBD"/>
-        </a:hlink>
-        <a:folHlink>
-          <a:srgbClr val="C2A874"/>
-        </a:folHlink>
-      </a:clrScheme>
-      <a:clrMap bg1="lt1" tx1="dk1" bg2="lt2" tx2="dk2" accent1="accent1" accent2="accent2" accent3="accent3" accent4="accent4" accent5="accent5" accent6="accent6" hlink="hlink" folHlink="folHlink"/>
-    </a:extraClrScheme>
-    <a:extraClrScheme>
-      <a:clrScheme name="Verve">
-        <a:dk1>
-          <a:sysClr val="windowText" lastClr="000000"/>
-        </a:dk1>
-        <a:lt1>
-          <a:sysClr val="window" lastClr="FFFFFF"/>
-        </a:lt1>
-        <a:dk2>
-          <a:srgbClr val="666666"/>
-        </a:dk2>
-        <a:lt2>
-          <a:srgbClr val="D2D2D2"/>
-        </a:lt2>
-        <a:accent1>
-          <a:srgbClr val="FF388C"/>
-        </a:accent1>
-        <a:accent2>
-          <a:srgbClr val="E40059"/>
-        </a:accent2>
-        <a:accent3>
-          <a:srgbClr val="9C007F"/>
-        </a:accent3>
-        <a:accent4>
-          <a:srgbClr val="68007F"/>
-        </a:accent4>
-        <a:accent5>
-          <a:srgbClr val="005BD3"/>
-        </a:accent5>
-        <a:accent6>
-          <a:srgbClr val="00349E"/>
-        </a:accent6>
-        <a:hlink>
-          <a:srgbClr val="17BBFD"/>
-        </a:hlink>
-        <a:folHlink>
-          <a:srgbClr val="FF79C2"/>
-        </a:folHlink>
-      </a:clrScheme>
-      <a:clrMap bg1="lt1" tx1="dk1" bg2="lt2" tx2="dk2" accent1="accent1" accent2="accent2" accent3="accent3" accent4="accent4" accent5="accent5" accent6="accent6" hlink="hlink" folHlink="folHlink"/>
-    </a:extraClrScheme>
-    <a:extraClrScheme>
-      <a:clrScheme name="Custom">
-        <a:dk1>
-          <a:srgbClr val="0F243E"/>
-        </a:dk1>
-        <a:lt1>
-          <a:sysClr val="window" lastClr="FFFFFF"/>
-        </a:lt1>
-        <a:dk2>
-          <a:srgbClr val="1F497D"/>
-        </a:dk2>
-        <a:lt2>
-          <a:srgbClr val="EEECE1"/>
-        </a:lt2>
-        <a:accent1>
-          <a:srgbClr val="0000FF"/>
-        </a:accent1>
-        <a:accent2>
-          <a:srgbClr val="FE19FF"/>
-        </a:accent2>
-        <a:accent3>
-          <a:srgbClr val="00B050"/>
-        </a:accent3>
-        <a:accent4>
-          <a:srgbClr val="FF0000"/>
-        </a:accent4>
-        <a:accent5>
-          <a:srgbClr val="4BACC6"/>
-        </a:accent5>
-        <a:accent6>
-          <a:srgbClr val="FFFF00"/>
-        </a:accent6>
-        <a:hlink>
-          <a:srgbClr val="548DD4"/>
-        </a:hlink>
-        <a:folHlink>
-          <a:srgbClr val="FE19FF"/>
-        </a:folHlink>
-      </a:clrScheme>
-      <a:clrMap bg1="lt1" tx1="dk1" bg2="lt2" tx2="dk2" accent1="accent1" accent2="accent2" accent3="accent3" accent4="accent4" accent5="accent5" accent6="accent6" hlink="hlink" folHlink="folHlink"/>
-    </a:extraClrScheme>
-  </a:extraClrSchemeLst>
+  <a:extraClrSchemeLst/>
 </a:theme>
 </file>
--- a/PowerPoint/themes/theme4/green leaf.pptx
+++ b/PowerPoint/themes/theme4/green leaf.pptx
@@ -125,7 +125,7 @@
 
 <file path=ppt/slideLayouts/slideLayout1.xml><?xml version="1.0" encoding="utf-8"?>
 <p:sldLayout xmlns:a="http://schemas.openxmlformats.org/drawingml/2006/main" xmlns:r="http://schemas.openxmlformats.org/officeDocument/2006/relationships" xmlns:p="http://schemas.openxmlformats.org/presentationml/2006/main" type="title" preserve="1" userDrawn="1">
-  <p:cSld name="Титульный слайд">
+  <p:cSld name="Title Slide">
     <p:bg>
       <p:bgPr>
         <a:blipFill dpi="0" rotWithShape="1">
@@ -788,7 +788,7 @@
 
 <file path=ppt/slideLayouts/slideLayout10.xml><?xml version="1.0" encoding="utf-8"?>
 <p:sldLayout xmlns:a="http://schemas.openxmlformats.org/drawingml/2006/main" xmlns:r="http://schemas.openxmlformats.org/officeDocument/2006/relationships" xmlns:p="http://schemas.openxmlformats.org/presentationml/2006/main" type="vertTx" preserve="1">
-  <p:cSld name="Заголовок и вертикальный текст">
+  <p:cSld name="Title and Vertical Text">
     <p:spTree>
       <p:nvGrpSpPr>
         <p:cNvPr id="1" name=""/>
@@ -958,7 +958,7 @@
 
 <file path=ppt/slideLayouts/slideLayout11.xml><?xml version="1.0" encoding="utf-8"?>
 <p:sldLayout xmlns:a="http://schemas.openxmlformats.org/drawingml/2006/main" xmlns:r="http://schemas.openxmlformats.org/officeDocument/2006/relationships" xmlns:p="http://schemas.openxmlformats.org/presentationml/2006/main" type="vertTitleAndTx" preserve="1">
-  <p:cSld name="Вертикальный заголовок и текст">
+  <p:cSld name="Vertical Title and Text">
     <p:spTree>
       <p:nvGrpSpPr>
         <p:cNvPr id="1" name=""/>
@@ -1138,7 +1138,7 @@
 
 <file path=ppt/slideLayouts/slideLayout2.xml><?xml version="1.0" encoding="utf-8"?>
 <p:sldLayout xmlns:a="http://schemas.openxmlformats.org/drawingml/2006/main" xmlns:r="http://schemas.openxmlformats.org/officeDocument/2006/relationships" xmlns:p="http://schemas.openxmlformats.org/presentationml/2006/main" type="obj" preserve="1">
-  <p:cSld name="Заголовок и объект">
+  <p:cSld name="Title and Content">
     <p:spTree>
       <p:nvGrpSpPr>
         <p:cNvPr id="1" name=""/>
@@ -1308,7 +1308,7 @@
 
 <file path=ppt/slideLayouts/slideLayout3.xml><?xml version="1.0" encoding="utf-8"?>
 <p:sldLayout xmlns:a="http://schemas.openxmlformats.org/drawingml/2006/main" xmlns:r="http://schemas.openxmlformats.org/officeDocument/2006/relationships" xmlns:p="http://schemas.openxmlformats.org/presentationml/2006/main" type="secHead" preserve="1" userDrawn="1">
-  <p:cSld name="Заголовок раздела">
+  <p:cSld name="Section Header">
     <p:spTree>
       <p:nvGrpSpPr>
         <p:cNvPr id="1" name=""/>
@@ -1550,7 +1550,7 @@
 
 <file path=ppt/slideLayouts/slideLayout4.xml><?xml version="1.0" encoding="utf-8"?>
 <p:sldLayout xmlns:a="http://schemas.openxmlformats.org/drawingml/2006/main" xmlns:r="http://schemas.openxmlformats.org/officeDocument/2006/relationships" xmlns:p="http://schemas.openxmlformats.org/presentationml/2006/main" type="twoObj" preserve="1">
-  <p:cSld name="Два объекта">
+  <p:cSld name="Two Content">
     <p:spTree>
       <p:nvGrpSpPr>
         <p:cNvPr id="1" name=""/>
@@ -1840,7 +1840,7 @@
 
 <file path=ppt/slideLayouts/slideLayout5.xml><?xml version="1.0" encoding="utf-8"?>
 <p:sldLayout xmlns:a="http://schemas.openxmlformats.org/drawingml/2006/main" xmlns:r="http://schemas.openxmlformats.org/officeDocument/2006/relationships" xmlns:p="http://schemas.openxmlformats.org/presentationml/2006/main" type="twoTxTwoObj" preserve="1">
-  <p:cSld name="Сравнение">
+  <p:cSld name="Comparison">
     <p:spTree>
       <p:nvGrpSpPr>
         <p:cNvPr id="1" name=""/>
@@ -2266,7 +2266,7 @@
 
 <file path=ppt/slideLayouts/slideLayout6.xml><?xml version="1.0" encoding="utf-8"?>
 <p:sldLayout xmlns:a="http://schemas.openxmlformats.org/drawingml/2006/main" xmlns:r="http://schemas.openxmlformats.org/officeDocument/2006/relationships" xmlns:p="http://schemas.openxmlformats.org/presentationml/2006/main" type="titleOnly" preserve="1">
-  <p:cSld name="Только заголовок">
+  <p:cSld name="Title Only">
     <p:spTree>
       <p:nvGrpSpPr>
         <p:cNvPr id="1" name=""/>
@@ -2384,7 +2384,7 @@
 
 <file path=ppt/slideLayouts/slideLayout7.xml><?xml version="1.0" encoding="utf-8"?>
 <p:sldLayout xmlns:a="http://schemas.openxmlformats.org/drawingml/2006/main" xmlns:r="http://schemas.openxmlformats.org/officeDocument/2006/relationships" xmlns:p="http://schemas.openxmlformats.org/presentationml/2006/main" type="blank" preserve="1">
-  <p:cSld name="Пустой слайд">
+  <p:cSld name="Blank">
     <p:spTree>
       <p:nvGrpSpPr>
         <p:cNvPr id="1" name=""/>
@@ -2479,7 +2479,7 @@
 
 <file path=ppt/slideLayouts/slideLayout8.xml><?xml version="1.0" encoding="utf-8"?>
 <p:sldLayout xmlns:a="http://schemas.openxmlformats.org/drawingml/2006/main" xmlns:r="http://schemas.openxmlformats.org/officeDocument/2006/relationships" xmlns:p="http://schemas.openxmlformats.org/presentationml/2006/main" type="objTx" preserve="1" userDrawn="1">
-  <p:cSld name="Объект с подписью">
+  <p:cSld name="Content with Caption">
     <p:spTree>
       <p:nvGrpSpPr>
         <p:cNvPr id="1" name=""/>
@@ -2758,7 +2758,7 @@
 
 <file path=ppt/slideLayouts/slideLayout9.xml><?xml version="1.0" encoding="utf-8"?>
 <p:sldLayout xmlns:a="http://schemas.openxmlformats.org/drawingml/2006/main" xmlns:r="http://schemas.openxmlformats.org/officeDocument/2006/relationships" xmlns:p="http://schemas.openxmlformats.org/presentationml/2006/main" type="picTx" preserve="1" userDrawn="1">
-  <p:cSld name="Рисунок с подписью">
+  <p:cSld name="Picture with Caption">
     <p:spTree>
       <p:nvGrpSpPr>
         <p:cNvPr id="1" name=""/>
